--- a/Documentazione e cose così/Slide Aldo.pptx
+++ b/Documentazione e cose così/Slide Aldo.pptx
@@ -18,6 +18,7 @@
     <p:sldId id="266" r:id="rId12"/>
     <p:sldId id="267" r:id="rId13"/>
     <p:sldId id="268" r:id="rId14"/>
+    <p:sldId id="269" r:id="rId15"/>
   </p:sldIdLst>
   <p:sldSz cx="12192000" cy="6858000"/>
   <p:notesSz cx="6858000" cy="9144000"/>
@@ -116,7 +117,16 @@
       </a:defRPr>
     </a:lvl9pPr>
   </p:defaultTextStyle>
+  <p:extLst>
+    <p:ext uri="{EFAFB233-063F-42B5-8137-9DF3F51BA10A}">
+      <p15:sldGuideLst xmlns:p15="http://schemas.microsoft.com/office/powerpoint/2012/main"/>
+    </p:ext>
+  </p:extLst>
 </p:presentation>
+</file>
+
+<file path=ppt/revisionInfo.xml><?xml version="1.0" encoding="utf-8"?>
+<p1510:revInfo xmlns:a="http://schemas.openxmlformats.org/drawingml/2006/main" xmlns:r="http://schemas.openxmlformats.org/officeDocument/2006/relationships" xmlns:p1510="http://schemas.microsoft.com/office/powerpoint/2015/10/main"/>
 </file>
 
 <file path=ppt/slideLayouts/slideLayout1.xml><?xml version="1.0" encoding="utf-8"?>
@@ -266,7 +276,7 @@
           <a:p>
             <a:fld id="{D80A1282-7C55-40F3-803E-41D82A6C0974}" type="datetimeFigureOut">
               <a:rPr lang="it-IT" smtClean="0"/>
-              <a:t>18/12/2017</a:t>
+              <a:t>20/12/2017</a:t>
             </a:fld>
             <a:endParaRPr lang="it-IT"/>
           </a:p>
@@ -464,7 +474,7 @@
           <a:p>
             <a:fld id="{D80A1282-7C55-40F3-803E-41D82A6C0974}" type="datetimeFigureOut">
               <a:rPr lang="it-IT" smtClean="0"/>
-              <a:t>18/12/2017</a:t>
+              <a:t>20/12/2017</a:t>
             </a:fld>
             <a:endParaRPr lang="it-IT"/>
           </a:p>
@@ -672,7 +682,7 @@
           <a:p>
             <a:fld id="{D80A1282-7C55-40F3-803E-41D82A6C0974}" type="datetimeFigureOut">
               <a:rPr lang="it-IT" smtClean="0"/>
-              <a:t>18/12/2017</a:t>
+              <a:t>20/12/2017</a:t>
             </a:fld>
             <a:endParaRPr lang="it-IT"/>
           </a:p>
@@ -870,7 +880,7 @@
           <a:p>
             <a:fld id="{D80A1282-7C55-40F3-803E-41D82A6C0974}" type="datetimeFigureOut">
               <a:rPr lang="it-IT" smtClean="0"/>
-              <a:t>18/12/2017</a:t>
+              <a:t>20/12/2017</a:t>
             </a:fld>
             <a:endParaRPr lang="it-IT"/>
           </a:p>
@@ -1145,7 +1155,7 @@
           <a:p>
             <a:fld id="{D80A1282-7C55-40F3-803E-41D82A6C0974}" type="datetimeFigureOut">
               <a:rPr lang="it-IT" smtClean="0"/>
-              <a:t>18/12/2017</a:t>
+              <a:t>20/12/2017</a:t>
             </a:fld>
             <a:endParaRPr lang="it-IT"/>
           </a:p>
@@ -1410,7 +1420,7 @@
           <a:p>
             <a:fld id="{D80A1282-7C55-40F3-803E-41D82A6C0974}" type="datetimeFigureOut">
               <a:rPr lang="it-IT" smtClean="0"/>
-              <a:t>18/12/2017</a:t>
+              <a:t>20/12/2017</a:t>
             </a:fld>
             <a:endParaRPr lang="it-IT"/>
           </a:p>
@@ -1822,7 +1832,7 @@
           <a:p>
             <a:fld id="{D80A1282-7C55-40F3-803E-41D82A6C0974}" type="datetimeFigureOut">
               <a:rPr lang="it-IT" smtClean="0"/>
-              <a:t>18/12/2017</a:t>
+              <a:t>20/12/2017</a:t>
             </a:fld>
             <a:endParaRPr lang="it-IT"/>
           </a:p>
@@ -1963,7 +1973,7 @@
           <a:p>
             <a:fld id="{D80A1282-7C55-40F3-803E-41D82A6C0974}" type="datetimeFigureOut">
               <a:rPr lang="it-IT" smtClean="0"/>
-              <a:t>18/12/2017</a:t>
+              <a:t>20/12/2017</a:t>
             </a:fld>
             <a:endParaRPr lang="it-IT"/>
           </a:p>
@@ -2076,7 +2086,7 @@
           <a:p>
             <a:fld id="{D80A1282-7C55-40F3-803E-41D82A6C0974}" type="datetimeFigureOut">
               <a:rPr lang="it-IT" smtClean="0"/>
-              <a:t>18/12/2017</a:t>
+              <a:t>20/12/2017</a:t>
             </a:fld>
             <a:endParaRPr lang="it-IT"/>
           </a:p>
@@ -2387,7 +2397,7 @@
           <a:p>
             <a:fld id="{D80A1282-7C55-40F3-803E-41D82A6C0974}" type="datetimeFigureOut">
               <a:rPr lang="it-IT" smtClean="0"/>
-              <a:t>18/12/2017</a:t>
+              <a:t>20/12/2017</a:t>
             </a:fld>
             <a:endParaRPr lang="it-IT"/>
           </a:p>
@@ -2675,7 +2685,7 @@
           <a:p>
             <a:fld id="{D80A1282-7C55-40F3-803E-41D82A6C0974}" type="datetimeFigureOut">
               <a:rPr lang="it-IT" smtClean="0"/>
-              <a:t>18/12/2017</a:t>
+              <a:t>20/12/2017</a:t>
             </a:fld>
             <a:endParaRPr lang="it-IT"/>
           </a:p>
@@ -2916,7 +2926,7 @@
           <a:p>
             <a:fld id="{D80A1282-7C55-40F3-803E-41D82A6C0974}" type="datetimeFigureOut">
               <a:rPr lang="it-IT" smtClean="0"/>
-              <a:t>18/12/2017</a:t>
+              <a:t>20/12/2017</a:t>
             </a:fld>
             <a:endParaRPr lang="it-IT"/>
           </a:p>
@@ -5557,7 +5567,7 @@
         </p:spPr>
         <p:txBody>
           <a:bodyPr>
-            <a:normAutofit fontScale="32500" lnSpcReduction="20000"/>
+            <a:normAutofit fontScale="40000" lnSpcReduction="20000"/>
           </a:bodyPr>
           <a:lstStyle/>
           <a:p>
@@ -6863,31 +6873,7 @@
               <a:rPr lang="it-IT" sz="5000" dirty="0"/>
               <a:t> system.</a:t>
             </a:r>
-            <a:br>
-              <a:rPr lang="it-IT" sz="5000" dirty="0"/>
-            </a:br>
-            <a:endParaRPr lang="it-IT" sz="5000" dirty="0"/>
-          </a:p>
-          <a:p>
-            <a:endParaRPr lang="it-IT" sz="5000" dirty="0"/>
-          </a:p>
-          <a:p>
-            <a:pPr marL="0" indent="0">
-              <a:buNone/>
-            </a:pPr>
             <a:endParaRPr lang="it-IT" dirty="0"/>
-          </a:p>
-          <a:p>
-            <a:pPr marL="0" indent="0">
-              <a:buNone/>
-            </a:pPr>
-            <a:br>
-              <a:rPr lang="it-IT" dirty="0"/>
-            </a:br>
-            <a:r>
-              <a:rPr lang="it-IT" dirty="0"/>
-              <a:t> </a:t>
-            </a:r>
           </a:p>
         </p:txBody>
       </p:sp>
@@ -6895,6 +6881,213 @@
     <p:extLst>
       <p:ext uri="{BB962C8B-B14F-4D97-AF65-F5344CB8AC3E}">
         <p14:creationId xmlns:p14="http://schemas.microsoft.com/office/powerpoint/2010/main" val="482543316"/>
+      </p:ext>
+    </p:extLst>
+  </p:cSld>
+  <p:clrMapOvr>
+    <a:masterClrMapping/>
+  </p:clrMapOvr>
+</p:sld>
+</file>
+
+<file path=ppt/slides/slide14.xml><?xml version="1.0" encoding="utf-8"?>
+<p:sld xmlns:a="http://schemas.openxmlformats.org/drawingml/2006/main" xmlns:r="http://schemas.openxmlformats.org/officeDocument/2006/relationships" xmlns:p="http://schemas.openxmlformats.org/presentationml/2006/main">
+  <p:cSld>
+    <p:spTree>
+      <p:nvGrpSpPr>
+        <p:cNvPr id="1" name=""/>
+        <p:cNvGrpSpPr/>
+        <p:nvPr/>
+      </p:nvGrpSpPr>
+      <p:grpSpPr>
+        <a:xfrm>
+          <a:off x="0" y="0"/>
+          <a:ext cx="0" cy="0"/>
+          <a:chOff x="0" y="0"/>
+          <a:chExt cx="0" cy="0"/>
+        </a:xfrm>
+      </p:grpSpPr>
+      <p:sp>
+        <p:nvSpPr>
+          <p:cNvPr id="2" name="Titolo 1">
+            <a:extLst>
+              <a:ext uri="{FF2B5EF4-FFF2-40B4-BE49-F238E27FC236}">
+                <a16:creationId xmlns:a16="http://schemas.microsoft.com/office/drawing/2014/main" id="{CF59D691-D9C8-4E36-8492-CFBC626B6F17}"/>
+              </a:ext>
+            </a:extLst>
+          </p:cNvPr>
+          <p:cNvSpPr>
+            <a:spLocks noGrp="1"/>
+          </p:cNvSpPr>
+          <p:nvPr>
+            <p:ph type="title"/>
+          </p:nvPr>
+        </p:nvSpPr>
+        <p:spPr/>
+        <p:txBody>
+          <a:bodyPr/>
+          <a:lstStyle/>
+          <a:p>
+            <a:r>
+              <a:rPr lang="it-IT" dirty="0" err="1"/>
+              <a:t>References</a:t>
+            </a:r>
+            <a:r>
+              <a:rPr lang="it-IT" dirty="0"/>
+              <a:t>	</a:t>
+            </a:r>
+          </a:p>
+        </p:txBody>
+      </p:sp>
+      <p:sp>
+        <p:nvSpPr>
+          <p:cNvPr id="3" name="Segnaposto contenuto 2">
+            <a:extLst>
+              <a:ext uri="{FF2B5EF4-FFF2-40B4-BE49-F238E27FC236}">
+                <a16:creationId xmlns:a16="http://schemas.microsoft.com/office/drawing/2014/main" id="{DBC375EB-07A5-45B8-A7C5-470D663DB055}"/>
+              </a:ext>
+            </a:extLst>
+          </p:cNvPr>
+          <p:cNvSpPr>
+            <a:spLocks noGrp="1"/>
+          </p:cNvSpPr>
+          <p:nvPr>
+            <p:ph idx="1"/>
+          </p:nvPr>
+        </p:nvSpPr>
+        <p:spPr/>
+        <p:txBody>
+          <a:bodyPr>
+            <a:normAutofit fontScale="92500" lnSpcReduction="20000"/>
+          </a:bodyPr>
+          <a:lstStyle/>
+          <a:p>
+            <a:r>
+              <a:rPr lang="it-IT" dirty="0"/>
+              <a:t>ICAM </a:t>
+            </a:r>
+            <a:r>
+              <a:rPr lang="it-IT" dirty="0">
+                <a:hlinkClick r:id="rId2"/>
+              </a:rPr>
+              <a:t>https://www.dhs.gov/safecom/icam-resources</a:t>
+            </a:r>
+            <a:endParaRPr lang="it-IT" dirty="0"/>
+          </a:p>
+          <a:p>
+            <a:r>
+              <a:rPr lang="it-IT" dirty="0"/>
+              <a:t>Symantec Private CA</a:t>
+            </a:r>
+            <a:br>
+              <a:rPr lang="it-IT" dirty="0"/>
+            </a:br>
+            <a:r>
+              <a:rPr lang="it-IT" dirty="0"/>
+              <a:t>https://www.websecurity.symantec.com/security-topics/private-ssl</a:t>
+            </a:r>
+          </a:p>
+          <a:p>
+            <a:r>
+              <a:rPr lang="it-IT" dirty="0"/>
+              <a:t>OWASP </a:t>
+            </a:r>
+            <a:r>
+              <a:rPr lang="it-IT" dirty="0" err="1"/>
+              <a:t>parameter</a:t>
+            </a:r>
+            <a:r>
+              <a:rPr lang="it-IT" dirty="0"/>
+              <a:t> </a:t>
+            </a:r>
+            <a:r>
+              <a:rPr lang="it-IT" dirty="0" err="1"/>
+              <a:t>remapping</a:t>
+            </a:r>
+            <a:r>
+              <a:rPr lang="it-IT" dirty="0"/>
+              <a:t> </a:t>
+            </a:r>
+            <a:r>
+              <a:rPr lang="it-IT" dirty="0">
+                <a:hlinkClick r:id="rId3"/>
+              </a:rPr>
+              <a:t>https://www.owasp.org/index.php/Top_10_2013-A4-Insecure_Direct_Object_References</a:t>
+            </a:r>
+            <a:endParaRPr lang="it-IT" dirty="0"/>
+          </a:p>
+          <a:p>
+            <a:r>
+              <a:rPr lang="it-IT" dirty="0"/>
+              <a:t>OWASP </a:t>
+            </a:r>
+            <a:r>
+              <a:rPr lang="it-IT" dirty="0" err="1"/>
+              <a:t>Securing</a:t>
+            </a:r>
+            <a:r>
+              <a:rPr lang="it-IT" dirty="0"/>
+              <a:t> Tomcat</a:t>
+            </a:r>
+            <a:br>
+              <a:rPr lang="it-IT" dirty="0"/>
+            </a:br>
+            <a:r>
+              <a:rPr lang="it-IT" dirty="0">
+                <a:hlinkClick r:id="rId4"/>
+              </a:rPr>
+              <a:t>https://www.owasp.org/index.php/Securing_tomcat</a:t>
+            </a:r>
+            <a:endParaRPr lang="it-IT" dirty="0"/>
+          </a:p>
+          <a:p>
+            <a:r>
+              <a:rPr lang="it-IT" dirty="0"/>
+              <a:t>OWASP XXE Attacks</a:t>
+            </a:r>
+            <a:br>
+              <a:rPr lang="it-IT" dirty="0"/>
+            </a:br>
+            <a:r>
+              <a:rPr lang="it-IT" dirty="0">
+                <a:hlinkClick r:id="rId5"/>
+              </a:rPr>
+              <a:t>https://www.owasp.org/index.php/XML_External_Entity_(XXE)_Prevention_Cheat_Sheet</a:t>
+            </a:r>
+            <a:endParaRPr lang="it-IT" dirty="0"/>
+          </a:p>
+          <a:p>
+            <a:r>
+              <a:rPr lang="it-IT" dirty="0"/>
+              <a:t>Rapid7 </a:t>
+            </a:r>
+            <a:r>
+              <a:rPr lang="it-IT" dirty="0" err="1"/>
+              <a:t>LogEntries</a:t>
+            </a:r>
+            <a:br>
+              <a:rPr lang="it-IT" dirty="0"/>
+            </a:br>
+            <a:r>
+              <a:rPr lang="it-IT" dirty="0"/>
+              <a:t>https://logentries.com/</a:t>
+            </a:r>
+          </a:p>
+          <a:p>
+            <a:endParaRPr lang="it-IT" dirty="0"/>
+          </a:p>
+          <a:p>
+            <a:endParaRPr lang="it-IT" dirty="0"/>
+          </a:p>
+          <a:p>
+            <a:endParaRPr lang="it-IT" dirty="0"/>
+          </a:p>
+        </p:txBody>
+      </p:sp>
+    </p:spTree>
+    <p:extLst>
+      <p:ext uri="{BB962C8B-B14F-4D97-AF65-F5344CB8AC3E}">
+        <p14:creationId xmlns:p14="http://schemas.microsoft.com/office/powerpoint/2010/main" val="2663653683"/>
       </p:ext>
     </p:extLst>
   </p:cSld>

--- a/Documentazione e cose così/Slide Aldo.pptx
+++ b/Documentazione e cose così/Slide Aldo.pptx
@@ -18,7 +18,9 @@
     <p:sldId id="266" r:id="rId12"/>
     <p:sldId id="267" r:id="rId13"/>
     <p:sldId id="268" r:id="rId14"/>
-    <p:sldId id="269" r:id="rId15"/>
+    <p:sldId id="270" r:id="rId15"/>
+    <p:sldId id="271" r:id="rId16"/>
+    <p:sldId id="269" r:id="rId17"/>
   </p:sldIdLst>
   <p:sldSz cx="12192000" cy="6858000"/>
   <p:notesSz cx="6858000" cy="9144000"/>
@@ -6912,6 +6914,1692 @@
           <p:cNvPr id="2" name="Titolo 1">
             <a:extLst>
               <a:ext uri="{FF2B5EF4-FFF2-40B4-BE49-F238E27FC236}">
+                <a16:creationId xmlns:a16="http://schemas.microsoft.com/office/drawing/2014/main" id="{303480D7-E77A-4FD7-9BED-3985955E5744}"/>
+              </a:ext>
+            </a:extLst>
+          </p:cNvPr>
+          <p:cNvSpPr>
+            <a:spLocks noGrp="1"/>
+          </p:cNvSpPr>
+          <p:nvPr>
+            <p:ph type="title"/>
+          </p:nvPr>
+        </p:nvSpPr>
+        <p:spPr/>
+        <p:txBody>
+          <a:bodyPr/>
+          <a:lstStyle/>
+          <a:p>
+            <a:r>
+              <a:rPr lang="it-IT" dirty="0" err="1"/>
+              <a:t>Final</a:t>
+            </a:r>
+            <a:r>
+              <a:rPr lang="it-IT" dirty="0"/>
+              <a:t> </a:t>
+            </a:r>
+            <a:r>
+              <a:rPr lang="it-IT" dirty="0" err="1"/>
+              <a:t>Considerations</a:t>
+            </a:r>
+            <a:endParaRPr lang="it-IT" dirty="0"/>
+          </a:p>
+        </p:txBody>
+      </p:sp>
+      <p:sp>
+        <p:nvSpPr>
+          <p:cNvPr id="3" name="Segnaposto contenuto 2">
+            <a:extLst>
+              <a:ext uri="{FF2B5EF4-FFF2-40B4-BE49-F238E27FC236}">
+                <a16:creationId xmlns:a16="http://schemas.microsoft.com/office/drawing/2014/main" id="{A528CE7E-DEB7-4FD0-82B6-7892CB9B621A}"/>
+              </a:ext>
+            </a:extLst>
+          </p:cNvPr>
+          <p:cNvSpPr>
+            <a:spLocks noGrp="1"/>
+          </p:cNvSpPr>
+          <p:nvPr>
+            <p:ph idx="1"/>
+          </p:nvPr>
+        </p:nvSpPr>
+        <p:spPr>
+          <a:xfrm>
+            <a:off x="838200" y="1825625"/>
+            <a:ext cx="10515600" cy="4787210"/>
+          </a:xfrm>
+        </p:spPr>
+        <p:txBody>
+          <a:bodyPr>
+            <a:normAutofit fontScale="77500" lnSpcReduction="20000"/>
+          </a:bodyPr>
+          <a:lstStyle/>
+          <a:p>
+            <a:r>
+              <a:rPr lang="it-IT" dirty="0" err="1"/>
+              <a:t>Configuring</a:t>
+            </a:r>
+            <a:r>
+              <a:rPr lang="it-IT" dirty="0"/>
+              <a:t> an ICAM-</a:t>
+            </a:r>
+            <a:r>
+              <a:rPr lang="it-IT" dirty="0" err="1"/>
+              <a:t>like</a:t>
+            </a:r>
+            <a:r>
+              <a:rPr lang="it-IT" dirty="0"/>
+              <a:t> system </a:t>
+            </a:r>
+            <a:r>
+              <a:rPr lang="it-IT" dirty="0" err="1"/>
+              <a:t>is</a:t>
+            </a:r>
+            <a:r>
+              <a:rPr lang="it-IT" dirty="0"/>
+              <a:t> </a:t>
+            </a:r>
+            <a:r>
+              <a:rPr lang="it-IT" dirty="0" err="1"/>
+              <a:t>not</a:t>
+            </a:r>
+            <a:r>
+              <a:rPr lang="it-IT" dirty="0"/>
+              <a:t> an easy task, </a:t>
+            </a:r>
+            <a:r>
+              <a:rPr lang="it-IT" dirty="0" err="1"/>
+              <a:t>especially</a:t>
+            </a:r>
+            <a:r>
+              <a:rPr lang="it-IT" dirty="0"/>
+              <a:t> </a:t>
+            </a:r>
+            <a:r>
+              <a:rPr lang="it-IT" dirty="0" err="1"/>
+              <a:t>when</a:t>
+            </a:r>
+            <a:r>
+              <a:rPr lang="it-IT" dirty="0"/>
+              <a:t> the users of the system </a:t>
+            </a:r>
+            <a:r>
+              <a:rPr lang="it-IT" dirty="0" err="1"/>
+              <a:t>need</a:t>
+            </a:r>
+            <a:r>
+              <a:rPr lang="it-IT" dirty="0"/>
+              <a:t> to act in a </a:t>
+            </a:r>
+            <a:r>
+              <a:rPr lang="it-IT" dirty="0" err="1"/>
+              <a:t>strictly</a:t>
+            </a:r>
+            <a:r>
+              <a:rPr lang="it-IT" dirty="0"/>
+              <a:t> </a:t>
+            </a:r>
+            <a:r>
+              <a:rPr lang="it-IT" dirty="0" err="1"/>
+              <a:t>secure</a:t>
+            </a:r>
+            <a:r>
+              <a:rPr lang="it-IT" dirty="0"/>
+              <a:t> </a:t>
+            </a:r>
+            <a:r>
+              <a:rPr lang="it-IT" dirty="0" err="1"/>
+              <a:t>environment</a:t>
+            </a:r>
+            <a:r>
+              <a:rPr lang="it-IT" dirty="0"/>
+              <a:t>, under the </a:t>
+            </a:r>
+            <a:r>
+              <a:rPr lang="it-IT" dirty="0" err="1"/>
+              <a:t>supervision</a:t>
+            </a:r>
+            <a:r>
+              <a:rPr lang="it-IT" dirty="0"/>
+              <a:t> of a Private CA.</a:t>
+            </a:r>
+          </a:p>
+          <a:p>
+            <a:r>
+              <a:rPr lang="it-IT" dirty="0"/>
+              <a:t>Strong security </a:t>
+            </a:r>
+            <a:r>
+              <a:rPr lang="it-IT" dirty="0" err="1"/>
+              <a:t>considerations</a:t>
+            </a:r>
+            <a:r>
+              <a:rPr lang="it-IT" dirty="0"/>
+              <a:t> must be made </a:t>
+            </a:r>
+            <a:r>
+              <a:rPr lang="it-IT" dirty="0" err="1"/>
+              <a:t>about</a:t>
+            </a:r>
+            <a:r>
+              <a:rPr lang="it-IT" dirty="0"/>
+              <a:t>:</a:t>
+            </a:r>
+          </a:p>
+          <a:p>
+            <a:pPr lvl="1"/>
+            <a:r>
+              <a:rPr lang="it-IT" dirty="0"/>
+              <a:t>User </a:t>
+            </a:r>
+            <a:r>
+              <a:rPr lang="it-IT" dirty="0" err="1"/>
+              <a:t>Registration</a:t>
+            </a:r>
+            <a:r>
+              <a:rPr lang="it-IT" dirty="0"/>
+              <a:t> (cross-</a:t>
+            </a:r>
+            <a:r>
+              <a:rPr lang="it-IT" dirty="0" err="1"/>
+              <a:t>checking</a:t>
+            </a:r>
+            <a:r>
+              <a:rPr lang="it-IT" dirty="0"/>
+              <a:t> </a:t>
+            </a:r>
+            <a:r>
+              <a:rPr lang="it-IT" dirty="0" err="1"/>
+              <a:t>provided</a:t>
+            </a:r>
+            <a:r>
+              <a:rPr lang="it-IT" dirty="0"/>
+              <a:t> </a:t>
+            </a:r>
+            <a:r>
+              <a:rPr lang="it-IT" dirty="0" err="1"/>
+              <a:t>identity</a:t>
+            </a:r>
+            <a:r>
+              <a:rPr lang="it-IT" dirty="0"/>
+              <a:t> with private </a:t>
+            </a:r>
+            <a:r>
+              <a:rPr lang="it-IT" dirty="0" err="1"/>
+              <a:t>investigations</a:t>
+            </a:r>
+            <a:r>
+              <a:rPr lang="it-IT" dirty="0"/>
+              <a:t>)</a:t>
+            </a:r>
+          </a:p>
+          <a:p>
+            <a:pPr lvl="1"/>
+            <a:r>
+              <a:rPr lang="it-IT" dirty="0"/>
+              <a:t>User </a:t>
+            </a:r>
+            <a:r>
+              <a:rPr lang="it-IT" dirty="0" err="1"/>
+              <a:t>Certification</a:t>
+            </a:r>
+            <a:r>
+              <a:rPr lang="it-IT" dirty="0"/>
+              <a:t> </a:t>
+            </a:r>
+          </a:p>
+          <a:p>
+            <a:pPr lvl="1"/>
+            <a:r>
+              <a:rPr lang="it-IT" dirty="0" err="1"/>
+              <a:t>Initialization</a:t>
+            </a:r>
+            <a:r>
+              <a:rPr lang="it-IT" dirty="0"/>
+              <a:t> and </a:t>
+            </a:r>
+            <a:r>
+              <a:rPr lang="it-IT" dirty="0" err="1"/>
+              <a:t>Configuration</a:t>
+            </a:r>
+            <a:r>
+              <a:rPr lang="it-IT" dirty="0"/>
+              <a:t> of work </a:t>
+            </a:r>
+            <a:r>
+              <a:rPr lang="it-IT" dirty="0" err="1"/>
+              <a:t>tools</a:t>
+            </a:r>
+            <a:r>
+              <a:rPr lang="it-IT" dirty="0"/>
+              <a:t> (hardware/software) to </a:t>
+            </a:r>
+            <a:r>
+              <a:rPr lang="it-IT" dirty="0" err="1"/>
+              <a:t>enable</a:t>
+            </a:r>
+            <a:r>
+              <a:rPr lang="it-IT" dirty="0"/>
+              <a:t> a </a:t>
+            </a:r>
+            <a:r>
+              <a:rPr lang="it-IT" dirty="0" err="1"/>
+              <a:t>proper</a:t>
+            </a:r>
+            <a:r>
+              <a:rPr lang="it-IT" dirty="0"/>
+              <a:t> </a:t>
+            </a:r>
+            <a:r>
+              <a:rPr lang="it-IT" dirty="0" err="1"/>
+              <a:t>interaction</a:t>
+            </a:r>
+            <a:r>
+              <a:rPr lang="it-IT" dirty="0"/>
+              <a:t> with the </a:t>
+            </a:r>
+            <a:r>
+              <a:rPr lang="it-IT" dirty="0" err="1"/>
+              <a:t>other</a:t>
+            </a:r>
+            <a:r>
+              <a:rPr lang="it-IT" dirty="0"/>
+              <a:t> security </a:t>
+            </a:r>
+            <a:r>
+              <a:rPr lang="it-IT" dirty="0" err="1"/>
+              <a:t>infrastructures</a:t>
+            </a:r>
+            <a:r>
+              <a:rPr lang="it-IT" dirty="0"/>
+              <a:t> </a:t>
+            </a:r>
+            <a:r>
+              <a:rPr lang="it-IT" dirty="0" err="1"/>
+              <a:t>deployed</a:t>
+            </a:r>
+            <a:r>
+              <a:rPr lang="it-IT" dirty="0"/>
+              <a:t> in the system</a:t>
+            </a:r>
+          </a:p>
+          <a:p>
+            <a:pPr lvl="1"/>
+            <a:r>
+              <a:rPr lang="it-IT" dirty="0"/>
+              <a:t>Life </a:t>
+            </a:r>
+            <a:r>
+              <a:rPr lang="it-IT" dirty="0" err="1"/>
+              <a:t>cycle</a:t>
+            </a:r>
+            <a:r>
+              <a:rPr lang="it-IT" dirty="0"/>
+              <a:t> management: in a </a:t>
+            </a:r>
+            <a:r>
+              <a:rPr lang="it-IT" dirty="0" err="1"/>
+              <a:t>such</a:t>
+            </a:r>
+            <a:r>
+              <a:rPr lang="it-IT" dirty="0"/>
+              <a:t> </a:t>
+            </a:r>
+            <a:r>
+              <a:rPr lang="it-IT" dirty="0" err="1"/>
+              <a:t>environment</a:t>
+            </a:r>
+            <a:r>
+              <a:rPr lang="it-IT" dirty="0"/>
+              <a:t>, the </a:t>
+            </a:r>
+            <a:r>
+              <a:rPr lang="it-IT" dirty="0" err="1"/>
+              <a:t>procedures</a:t>
+            </a:r>
+            <a:r>
+              <a:rPr lang="it-IT" dirty="0"/>
+              <a:t> of </a:t>
+            </a:r>
+            <a:r>
+              <a:rPr lang="it-IT" dirty="0" err="1"/>
+              <a:t>recovering</a:t>
+            </a:r>
+            <a:r>
+              <a:rPr lang="it-IT" dirty="0"/>
+              <a:t>, </a:t>
+            </a:r>
+            <a:r>
+              <a:rPr lang="it-IT" dirty="0" err="1"/>
+              <a:t>updating</a:t>
+            </a:r>
+            <a:r>
+              <a:rPr lang="it-IT" dirty="0"/>
+              <a:t> and </a:t>
+            </a:r>
+            <a:r>
+              <a:rPr lang="it-IT" dirty="0" err="1"/>
+              <a:t>revoking</a:t>
+            </a:r>
+            <a:r>
+              <a:rPr lang="it-IT" dirty="0"/>
+              <a:t> user </a:t>
+            </a:r>
+            <a:r>
+              <a:rPr lang="it-IT" dirty="0" err="1"/>
+              <a:t>credentials</a:t>
+            </a:r>
+            <a:r>
+              <a:rPr lang="it-IT" dirty="0"/>
+              <a:t>/</a:t>
+            </a:r>
+            <a:r>
+              <a:rPr lang="it-IT" dirty="0" err="1"/>
+              <a:t>identities</a:t>
+            </a:r>
+            <a:r>
+              <a:rPr lang="it-IT" dirty="0"/>
+              <a:t> assume a </a:t>
+            </a:r>
+            <a:r>
+              <a:rPr lang="it-IT" dirty="0" err="1"/>
+              <a:t>critical</a:t>
+            </a:r>
+            <a:r>
+              <a:rPr lang="it-IT" dirty="0"/>
+              <a:t> </a:t>
+            </a:r>
+            <a:r>
+              <a:rPr lang="it-IT" dirty="0" err="1"/>
+              <a:t>importance</a:t>
+            </a:r>
+            <a:r>
+              <a:rPr lang="it-IT" dirty="0"/>
+              <a:t>, more </a:t>
+            </a:r>
+            <a:r>
+              <a:rPr lang="it-IT" dirty="0" err="1"/>
+              <a:t>than</a:t>
+            </a:r>
+            <a:r>
+              <a:rPr lang="it-IT" dirty="0"/>
+              <a:t> </a:t>
+            </a:r>
+            <a:r>
+              <a:rPr lang="it-IT" dirty="0" err="1"/>
+              <a:t>they</a:t>
+            </a:r>
+            <a:r>
+              <a:rPr lang="it-IT" dirty="0"/>
+              <a:t> do in a </a:t>
+            </a:r>
+            <a:r>
+              <a:rPr lang="it-IT" dirty="0" err="1"/>
+              <a:t>classic</a:t>
+            </a:r>
+            <a:r>
+              <a:rPr lang="it-IT" dirty="0"/>
+              <a:t> Public CA </a:t>
+            </a:r>
+            <a:r>
+              <a:rPr lang="it-IT" dirty="0" err="1"/>
+              <a:t>environment</a:t>
+            </a:r>
+            <a:r>
+              <a:rPr lang="it-IT" dirty="0"/>
+              <a:t>.</a:t>
+            </a:r>
+          </a:p>
+          <a:p>
+            <a:pPr lvl="1"/>
+            <a:r>
+              <a:rPr lang="it-IT" dirty="0"/>
+              <a:t>Security Training: </a:t>
+            </a:r>
+            <a:r>
+              <a:rPr lang="it-IT" dirty="0" err="1"/>
+              <a:t>employees</a:t>
+            </a:r>
+            <a:r>
+              <a:rPr lang="it-IT" dirty="0"/>
+              <a:t> are in </a:t>
+            </a:r>
+            <a:r>
+              <a:rPr lang="it-IT" dirty="0" err="1"/>
+              <a:t>possession</a:t>
+            </a:r>
+            <a:r>
+              <a:rPr lang="it-IT" dirty="0"/>
+              <a:t> of </a:t>
+            </a:r>
+            <a:r>
+              <a:rPr lang="it-IT" dirty="0" err="1"/>
+              <a:t>very</a:t>
+            </a:r>
+            <a:r>
+              <a:rPr lang="it-IT" dirty="0"/>
+              <a:t> sensitive </a:t>
+            </a:r>
+            <a:r>
+              <a:rPr lang="it-IT" dirty="0" err="1"/>
+              <a:t>informations</a:t>
+            </a:r>
+            <a:r>
+              <a:rPr lang="it-IT" dirty="0"/>
+              <a:t>, </a:t>
+            </a:r>
+            <a:r>
+              <a:rPr lang="it-IT" dirty="0" err="1"/>
+              <a:t>that</a:t>
+            </a:r>
+            <a:r>
+              <a:rPr lang="it-IT" dirty="0"/>
+              <a:t> </a:t>
+            </a:r>
+            <a:r>
+              <a:rPr lang="it-IT" dirty="0" err="1"/>
+              <a:t>may</a:t>
+            </a:r>
+            <a:r>
+              <a:rPr lang="it-IT" dirty="0"/>
+              <a:t> cause </a:t>
+            </a:r>
+            <a:r>
+              <a:rPr lang="it-IT" dirty="0" err="1"/>
+              <a:t>serious</a:t>
+            </a:r>
+            <a:r>
+              <a:rPr lang="it-IT" dirty="0"/>
+              <a:t> </a:t>
+            </a:r>
+            <a:r>
+              <a:rPr lang="it-IT" dirty="0" err="1"/>
+              <a:t>damage</a:t>
+            </a:r>
+            <a:r>
+              <a:rPr lang="it-IT" dirty="0"/>
+              <a:t> </a:t>
+            </a:r>
+            <a:r>
+              <a:rPr lang="it-IT" dirty="0" err="1"/>
+              <a:t>if</a:t>
+            </a:r>
+            <a:r>
+              <a:rPr lang="it-IT" dirty="0"/>
+              <a:t> </a:t>
+            </a:r>
+            <a:r>
+              <a:rPr lang="it-IT" dirty="0" err="1"/>
+              <a:t>stolen</a:t>
+            </a:r>
+            <a:r>
+              <a:rPr lang="it-IT" dirty="0"/>
+              <a:t> or </a:t>
+            </a:r>
+            <a:r>
+              <a:rPr lang="it-IT" dirty="0" err="1"/>
+              <a:t>lost</a:t>
+            </a:r>
+            <a:r>
+              <a:rPr lang="it-IT" dirty="0"/>
+              <a:t> (</a:t>
+            </a:r>
+            <a:r>
+              <a:rPr lang="it-IT" dirty="0" err="1"/>
+              <a:t>what</a:t>
+            </a:r>
+            <a:r>
+              <a:rPr lang="it-IT" dirty="0"/>
+              <a:t> </a:t>
+            </a:r>
+            <a:r>
+              <a:rPr lang="it-IT" dirty="0" err="1"/>
+              <a:t>if</a:t>
+            </a:r>
+            <a:r>
+              <a:rPr lang="it-IT" dirty="0"/>
+              <a:t> an </a:t>
+            </a:r>
+            <a:r>
+              <a:rPr lang="it-IT" dirty="0" err="1"/>
+              <a:t>attacker</a:t>
+            </a:r>
+            <a:r>
+              <a:rPr lang="it-IT" dirty="0"/>
+              <a:t> </a:t>
+            </a:r>
+            <a:r>
+              <a:rPr lang="it-IT" dirty="0" err="1"/>
+              <a:t>inject</a:t>
+            </a:r>
+            <a:r>
+              <a:rPr lang="it-IT" dirty="0"/>
+              <a:t> a false Certificate </a:t>
+            </a:r>
+            <a:r>
+              <a:rPr lang="it-IT" dirty="0" err="1"/>
+              <a:t>into</a:t>
+            </a:r>
+            <a:r>
+              <a:rPr lang="it-IT" dirty="0"/>
+              <a:t> the </a:t>
+            </a:r>
+            <a:r>
+              <a:rPr lang="it-IT" dirty="0" err="1"/>
+              <a:t>user’s</a:t>
+            </a:r>
+            <a:r>
+              <a:rPr lang="it-IT" dirty="0"/>
+              <a:t> trust-store?)</a:t>
+            </a:r>
+            <a:br>
+              <a:rPr lang="it-IT" dirty="0"/>
+            </a:br>
+            <a:r>
+              <a:rPr lang="it-IT" dirty="0" err="1"/>
+              <a:t>Together</a:t>
+            </a:r>
+            <a:r>
+              <a:rPr lang="it-IT" dirty="0"/>
+              <a:t> with a strong hardware/software </a:t>
+            </a:r>
+            <a:r>
+              <a:rPr lang="it-IT" dirty="0" err="1"/>
+              <a:t>protection</a:t>
+            </a:r>
+            <a:r>
+              <a:rPr lang="it-IT" dirty="0"/>
+              <a:t>, </a:t>
+            </a:r>
+            <a:r>
+              <a:rPr lang="it-IT" dirty="0" err="1"/>
+              <a:t>those</a:t>
+            </a:r>
+            <a:r>
+              <a:rPr lang="it-IT" dirty="0"/>
+              <a:t> </a:t>
+            </a:r>
+            <a:r>
+              <a:rPr lang="it-IT" dirty="0" err="1"/>
+              <a:t>individuals</a:t>
+            </a:r>
+            <a:r>
+              <a:rPr lang="it-IT" dirty="0"/>
+              <a:t> must be made </a:t>
+            </a:r>
+            <a:r>
+              <a:rPr lang="it-IT" dirty="0" err="1"/>
+              <a:t>aware</a:t>
+            </a:r>
+            <a:r>
+              <a:rPr lang="it-IT" dirty="0"/>
+              <a:t> of </a:t>
+            </a:r>
+            <a:r>
+              <a:rPr lang="it-IT" dirty="0" err="1"/>
+              <a:t>those</a:t>
+            </a:r>
+            <a:r>
+              <a:rPr lang="it-IT" dirty="0"/>
+              <a:t> risks and the </a:t>
+            </a:r>
+            <a:r>
+              <a:rPr lang="it-IT" dirty="0" err="1"/>
+              <a:t>related</a:t>
+            </a:r>
+            <a:r>
+              <a:rPr lang="it-IT" dirty="0"/>
+              <a:t> </a:t>
+            </a:r>
+            <a:r>
+              <a:rPr lang="it-IT" dirty="0" err="1"/>
+              <a:t>responsabilities</a:t>
+            </a:r>
+            <a:r>
+              <a:rPr lang="it-IT" dirty="0"/>
+              <a:t>.</a:t>
+            </a:r>
+          </a:p>
+          <a:p>
+            <a:pPr lvl="1"/>
+            <a:r>
+              <a:rPr lang="it-IT" dirty="0" err="1"/>
+              <a:t>Infrastructure</a:t>
+            </a:r>
+            <a:r>
+              <a:rPr lang="it-IT" dirty="0"/>
+              <a:t> management: </a:t>
+            </a:r>
+            <a:r>
+              <a:rPr lang="it-IT" dirty="0" err="1"/>
+              <a:t>all</a:t>
+            </a:r>
+            <a:r>
+              <a:rPr lang="it-IT" dirty="0"/>
+              <a:t> the </a:t>
+            </a:r>
+            <a:r>
+              <a:rPr lang="it-IT" dirty="0" err="1"/>
+              <a:t>entities</a:t>
+            </a:r>
+            <a:r>
+              <a:rPr lang="it-IT" dirty="0"/>
+              <a:t> in a security </a:t>
+            </a:r>
+            <a:r>
+              <a:rPr lang="it-IT" dirty="0" err="1"/>
+              <a:t>environment</a:t>
+            </a:r>
+            <a:r>
+              <a:rPr lang="it-IT" dirty="0"/>
+              <a:t> must </a:t>
+            </a:r>
+            <a:r>
+              <a:rPr lang="it-IT" dirty="0" err="1"/>
+              <a:t>always</a:t>
+            </a:r>
+            <a:r>
+              <a:rPr lang="it-IT" dirty="0"/>
+              <a:t> be </a:t>
+            </a:r>
+            <a:r>
+              <a:rPr lang="it-IT" dirty="0" err="1"/>
+              <a:t>kept</a:t>
+            </a:r>
+            <a:r>
+              <a:rPr lang="it-IT" dirty="0"/>
+              <a:t> </a:t>
+            </a:r>
+            <a:r>
+              <a:rPr lang="it-IT" dirty="0" err="1"/>
+              <a:t>secured</a:t>
+            </a:r>
+            <a:r>
+              <a:rPr lang="it-IT" dirty="0"/>
+              <a:t> and up-to-date in </a:t>
+            </a:r>
+            <a:r>
+              <a:rPr lang="it-IT" dirty="0" err="1"/>
+              <a:t>terms</a:t>
+            </a:r>
+            <a:r>
+              <a:rPr lang="it-IT" dirty="0"/>
+              <a:t> of </a:t>
+            </a:r>
+            <a:r>
+              <a:rPr lang="it-IT" dirty="0" err="1"/>
+              <a:t>permissions</a:t>
+            </a:r>
+            <a:r>
+              <a:rPr lang="it-IT" dirty="0"/>
+              <a:t>, </a:t>
+            </a:r>
+            <a:r>
+              <a:rPr lang="it-IT" dirty="0" err="1"/>
+              <a:t>certificates</a:t>
+            </a:r>
+            <a:r>
+              <a:rPr lang="it-IT" dirty="0"/>
+              <a:t> and trust-stores (</a:t>
+            </a:r>
+            <a:r>
+              <a:rPr lang="it-IT" dirty="0" err="1"/>
+              <a:t>again</a:t>
+            </a:r>
+            <a:r>
+              <a:rPr lang="it-IT" dirty="0"/>
+              <a:t>: </a:t>
+            </a:r>
+            <a:r>
+              <a:rPr lang="it-IT" dirty="0" err="1"/>
+              <a:t>if</a:t>
+            </a:r>
+            <a:r>
+              <a:rPr lang="it-IT" dirty="0"/>
+              <a:t> an </a:t>
+            </a:r>
+            <a:r>
+              <a:rPr lang="it-IT" dirty="0" err="1"/>
+              <a:t>attacker</a:t>
+            </a:r>
+            <a:r>
+              <a:rPr lang="it-IT" dirty="0"/>
+              <a:t> </a:t>
+            </a:r>
+            <a:r>
+              <a:rPr lang="it-IT" dirty="0" err="1"/>
+              <a:t>removes</a:t>
+            </a:r>
+            <a:r>
+              <a:rPr lang="it-IT" dirty="0"/>
+              <a:t> the CA certificate from the </a:t>
+            </a:r>
+            <a:r>
+              <a:rPr lang="it-IT" dirty="0" err="1"/>
+              <a:t>server’s</a:t>
+            </a:r>
+            <a:r>
+              <a:rPr lang="it-IT" dirty="0"/>
+              <a:t> trust-store, </a:t>
+            </a:r>
+            <a:r>
+              <a:rPr lang="it-IT" dirty="0" err="1"/>
+              <a:t>it</a:t>
+            </a:r>
+            <a:r>
+              <a:rPr lang="it-IT" dirty="0"/>
+              <a:t> </a:t>
+            </a:r>
+            <a:r>
+              <a:rPr lang="it-IT" dirty="0" err="1"/>
+              <a:t>won’t</a:t>
+            </a:r>
+            <a:r>
+              <a:rPr lang="it-IT" dirty="0"/>
+              <a:t> trust </a:t>
+            </a:r>
+            <a:r>
+              <a:rPr lang="it-IT" dirty="0" err="1"/>
+              <a:t>anyone</a:t>
+            </a:r>
+            <a:r>
+              <a:rPr lang="it-IT" dirty="0"/>
+              <a:t>!) </a:t>
+            </a:r>
+          </a:p>
+          <a:p>
+            <a:pPr lvl="1"/>
+            <a:endParaRPr lang="it-IT" dirty="0"/>
+          </a:p>
+          <a:p>
+            <a:pPr lvl="1"/>
+            <a:endParaRPr lang="it-IT" dirty="0"/>
+          </a:p>
+        </p:txBody>
+      </p:sp>
+    </p:spTree>
+    <p:extLst>
+      <p:ext uri="{BB962C8B-B14F-4D97-AF65-F5344CB8AC3E}">
+        <p14:creationId xmlns:p14="http://schemas.microsoft.com/office/powerpoint/2010/main" val="1146460523"/>
+      </p:ext>
+    </p:extLst>
+  </p:cSld>
+  <p:clrMapOvr>
+    <a:masterClrMapping/>
+  </p:clrMapOvr>
+</p:sld>
+</file>
+
+<file path=ppt/slides/slide15.xml><?xml version="1.0" encoding="utf-8"?>
+<p:sld xmlns:a="http://schemas.openxmlformats.org/drawingml/2006/main" xmlns:r="http://schemas.openxmlformats.org/officeDocument/2006/relationships" xmlns:p="http://schemas.openxmlformats.org/presentationml/2006/main">
+  <p:cSld>
+    <p:spTree>
+      <p:nvGrpSpPr>
+        <p:cNvPr id="1" name=""/>
+        <p:cNvGrpSpPr/>
+        <p:nvPr/>
+      </p:nvGrpSpPr>
+      <p:grpSpPr>
+        <a:xfrm>
+          <a:off x="0" y="0"/>
+          <a:ext cx="0" cy="0"/>
+          <a:chOff x="0" y="0"/>
+          <a:chExt cx="0" cy="0"/>
+        </a:xfrm>
+      </p:grpSpPr>
+      <p:sp>
+        <p:nvSpPr>
+          <p:cNvPr id="2" name="Titolo 1">
+            <a:extLst>
+              <a:ext uri="{FF2B5EF4-FFF2-40B4-BE49-F238E27FC236}">
+                <a16:creationId xmlns:a16="http://schemas.microsoft.com/office/drawing/2014/main" id="{978F76BB-89D9-4947-BB12-A67075FEC393}"/>
+              </a:ext>
+            </a:extLst>
+          </p:cNvPr>
+          <p:cNvSpPr>
+            <a:spLocks noGrp="1"/>
+          </p:cNvSpPr>
+          <p:nvPr>
+            <p:ph type="title"/>
+          </p:nvPr>
+        </p:nvSpPr>
+        <p:spPr>
+          <a:xfrm>
+            <a:off x="149086" y="139839"/>
+            <a:ext cx="11870635" cy="1066110"/>
+          </a:xfrm>
+        </p:spPr>
+        <p:txBody>
+          <a:bodyPr/>
+          <a:lstStyle/>
+          <a:p>
+            <a:r>
+              <a:rPr lang="it-IT" dirty="0" err="1"/>
+              <a:t>Logging</a:t>
+            </a:r>
+            <a:r>
+              <a:rPr lang="it-IT" dirty="0"/>
+              <a:t> &amp; Access Control </a:t>
+            </a:r>
+            <a:r>
+              <a:rPr lang="it-IT" dirty="0" err="1"/>
+              <a:t>Considerations</a:t>
+            </a:r>
+            <a:endParaRPr lang="it-IT" dirty="0"/>
+          </a:p>
+        </p:txBody>
+      </p:sp>
+      <p:sp>
+        <p:nvSpPr>
+          <p:cNvPr id="3" name="Segnaposto contenuto 2">
+            <a:extLst>
+              <a:ext uri="{FF2B5EF4-FFF2-40B4-BE49-F238E27FC236}">
+                <a16:creationId xmlns:a16="http://schemas.microsoft.com/office/drawing/2014/main" id="{D0834DCF-BE57-43EA-A48F-EDACA7DD1867}"/>
+              </a:ext>
+            </a:extLst>
+          </p:cNvPr>
+          <p:cNvSpPr>
+            <a:spLocks noGrp="1"/>
+          </p:cNvSpPr>
+          <p:nvPr>
+            <p:ph idx="1"/>
+          </p:nvPr>
+        </p:nvSpPr>
+        <p:spPr>
+          <a:xfrm>
+            <a:off x="172279" y="1205949"/>
+            <a:ext cx="11847442" cy="5512212"/>
+          </a:xfrm>
+        </p:spPr>
+        <p:txBody>
+          <a:bodyPr>
+            <a:normAutofit fontScale="92500" lnSpcReduction="20000"/>
+          </a:bodyPr>
+          <a:lstStyle/>
+          <a:p>
+            <a:r>
+              <a:rPr lang="it-IT" dirty="0"/>
+              <a:t>Access Control </a:t>
+            </a:r>
+            <a:r>
+              <a:rPr lang="it-IT" dirty="0" err="1"/>
+              <a:t>policies</a:t>
+            </a:r>
+            <a:r>
+              <a:rPr lang="it-IT" dirty="0"/>
+              <a:t> must be </a:t>
+            </a:r>
+            <a:r>
+              <a:rPr lang="it-IT" dirty="0" err="1"/>
+              <a:t>always</a:t>
+            </a:r>
+            <a:r>
+              <a:rPr lang="it-IT" dirty="0"/>
+              <a:t> </a:t>
+            </a:r>
+            <a:r>
+              <a:rPr lang="it-IT" dirty="0" err="1"/>
+              <a:t>kept</a:t>
+            </a:r>
+            <a:r>
+              <a:rPr lang="it-IT" dirty="0"/>
+              <a:t> up-to-date, </a:t>
+            </a:r>
+            <a:r>
+              <a:rPr lang="it-IT" dirty="0" err="1"/>
+              <a:t>reflecting</a:t>
+            </a:r>
+            <a:r>
+              <a:rPr lang="it-IT" dirty="0"/>
+              <a:t> </a:t>
+            </a:r>
+            <a:r>
+              <a:rPr lang="it-IT" dirty="0" err="1"/>
+              <a:t>changes</a:t>
+            </a:r>
+            <a:r>
+              <a:rPr lang="it-IT" dirty="0"/>
+              <a:t> </a:t>
+            </a:r>
+            <a:r>
+              <a:rPr lang="it-IT" dirty="0" err="1"/>
+              <a:t>that</a:t>
+            </a:r>
+            <a:r>
+              <a:rPr lang="it-IT" dirty="0"/>
+              <a:t> </a:t>
+            </a:r>
+            <a:r>
+              <a:rPr lang="it-IT" dirty="0" err="1"/>
+              <a:t>may</a:t>
+            </a:r>
+            <a:r>
+              <a:rPr lang="it-IT" dirty="0"/>
+              <a:t> </a:t>
+            </a:r>
+            <a:r>
+              <a:rPr lang="it-IT" dirty="0" err="1"/>
+              <a:t>happen</a:t>
+            </a:r>
+            <a:r>
+              <a:rPr lang="it-IT" dirty="0"/>
+              <a:t> in the </a:t>
+            </a:r>
+            <a:r>
+              <a:rPr lang="it-IT" dirty="0" err="1"/>
+              <a:t>organization’s</a:t>
+            </a:r>
+            <a:r>
+              <a:rPr lang="it-IT" dirty="0"/>
+              <a:t> </a:t>
+            </a:r>
+            <a:r>
+              <a:rPr lang="it-IT" dirty="0" err="1"/>
+              <a:t>structure</a:t>
+            </a:r>
+            <a:endParaRPr lang="it-IT" dirty="0"/>
+          </a:p>
+          <a:p>
+            <a:r>
+              <a:rPr lang="it-IT" dirty="0" err="1"/>
+              <a:t>Together</a:t>
+            </a:r>
+            <a:r>
+              <a:rPr lang="it-IT" dirty="0"/>
+              <a:t> with the </a:t>
+            </a:r>
+            <a:r>
+              <a:rPr lang="it-IT" dirty="0" err="1"/>
+              <a:t>protection</a:t>
+            </a:r>
+            <a:r>
+              <a:rPr lang="it-IT" dirty="0"/>
+              <a:t> of </a:t>
+            </a:r>
+            <a:r>
+              <a:rPr lang="it-IT" i="1" dirty="0" err="1"/>
+              <a:t>resources</a:t>
+            </a:r>
+            <a:r>
+              <a:rPr lang="it-IT" dirty="0"/>
+              <a:t> (</a:t>
+            </a:r>
+            <a:r>
+              <a:rPr lang="it-IT" dirty="0" err="1"/>
+              <a:t>which</a:t>
+            </a:r>
+            <a:r>
+              <a:rPr lang="it-IT" dirty="0"/>
+              <a:t> </a:t>
+            </a:r>
+            <a:r>
+              <a:rPr lang="it-IT" dirty="0" err="1"/>
+              <a:t>is</a:t>
+            </a:r>
+            <a:r>
+              <a:rPr lang="it-IT" dirty="0"/>
+              <a:t> </a:t>
+            </a:r>
+            <a:r>
+              <a:rPr lang="it-IT" dirty="0" err="1"/>
+              <a:t>done</a:t>
+            </a:r>
+            <a:r>
+              <a:rPr lang="it-IT" dirty="0"/>
+              <a:t> by a </a:t>
+            </a:r>
+            <a:r>
+              <a:rPr lang="it-IT" dirty="0" err="1"/>
+              <a:t>proper</a:t>
+            </a:r>
+            <a:r>
+              <a:rPr lang="it-IT" dirty="0"/>
+              <a:t> </a:t>
+            </a:r>
+            <a:r>
+              <a:rPr lang="it-IT" dirty="0" err="1"/>
+              <a:t>configuration</a:t>
+            </a:r>
+            <a:r>
+              <a:rPr lang="it-IT" dirty="0"/>
+              <a:t> of the access control </a:t>
+            </a:r>
+            <a:r>
+              <a:rPr lang="it-IT" dirty="0" err="1"/>
+              <a:t>infrastructure</a:t>
+            </a:r>
+            <a:r>
+              <a:rPr lang="it-IT" dirty="0"/>
+              <a:t>), a security </a:t>
+            </a:r>
+            <a:r>
+              <a:rPr lang="it-IT" dirty="0" err="1"/>
+              <a:t>consideration</a:t>
+            </a:r>
+            <a:r>
+              <a:rPr lang="it-IT" dirty="0"/>
+              <a:t> must be made </a:t>
+            </a:r>
+            <a:r>
+              <a:rPr lang="it-IT" dirty="0" err="1"/>
+              <a:t>about</a:t>
+            </a:r>
+            <a:r>
+              <a:rPr lang="it-IT" dirty="0"/>
+              <a:t> the </a:t>
+            </a:r>
+            <a:r>
+              <a:rPr lang="it-IT" dirty="0" err="1"/>
+              <a:t>protection</a:t>
+            </a:r>
+            <a:r>
+              <a:rPr lang="it-IT" dirty="0"/>
+              <a:t> of </a:t>
+            </a:r>
+            <a:r>
+              <a:rPr lang="it-IT" i="1" dirty="0" err="1"/>
+              <a:t>policies</a:t>
+            </a:r>
+            <a:r>
+              <a:rPr lang="it-IT" dirty="0"/>
+              <a:t> </a:t>
+            </a:r>
+            <a:r>
+              <a:rPr lang="it-IT" dirty="0" err="1"/>
+              <a:t>themselves</a:t>
+            </a:r>
+            <a:r>
+              <a:rPr lang="it-IT" dirty="0"/>
+              <a:t>: </a:t>
+            </a:r>
+            <a:r>
+              <a:rPr lang="it-IT" dirty="0" err="1"/>
+              <a:t>what</a:t>
+            </a:r>
+            <a:r>
+              <a:rPr lang="it-IT" dirty="0"/>
+              <a:t> </a:t>
+            </a:r>
+            <a:r>
+              <a:rPr lang="it-IT" dirty="0" err="1"/>
+              <a:t>if</a:t>
+            </a:r>
+            <a:r>
+              <a:rPr lang="it-IT" dirty="0"/>
+              <a:t> an </a:t>
+            </a:r>
+            <a:r>
+              <a:rPr lang="it-IT" dirty="0" err="1"/>
+              <a:t>attacker</a:t>
+            </a:r>
+            <a:r>
+              <a:rPr lang="it-IT" dirty="0"/>
+              <a:t> </a:t>
+            </a:r>
+            <a:r>
+              <a:rPr lang="it-IT" dirty="0" err="1"/>
+              <a:t>gains</a:t>
+            </a:r>
+            <a:r>
+              <a:rPr lang="it-IT" dirty="0"/>
+              <a:t> access to the policy file and </a:t>
+            </a:r>
+            <a:r>
+              <a:rPr lang="it-IT" dirty="0" err="1"/>
+              <a:t>modifies</a:t>
+            </a:r>
+            <a:r>
+              <a:rPr lang="it-IT" dirty="0"/>
+              <a:t> </a:t>
+            </a:r>
+            <a:r>
+              <a:rPr lang="it-IT" dirty="0" err="1"/>
+              <a:t>it</a:t>
+            </a:r>
+            <a:r>
+              <a:rPr lang="it-IT" dirty="0"/>
+              <a:t> to </a:t>
+            </a:r>
+            <a:r>
+              <a:rPr lang="it-IT" dirty="0" err="1"/>
+              <a:t>overcome</a:t>
+            </a:r>
+            <a:r>
+              <a:rPr lang="it-IT" dirty="0"/>
+              <a:t> access control?</a:t>
+            </a:r>
+          </a:p>
+          <a:p>
+            <a:r>
+              <a:rPr lang="it-IT" dirty="0"/>
+              <a:t>To </a:t>
+            </a:r>
+            <a:r>
+              <a:rPr lang="it-IT" dirty="0" err="1"/>
+              <a:t>address</a:t>
+            </a:r>
+            <a:r>
+              <a:rPr lang="it-IT" dirty="0"/>
+              <a:t> </a:t>
+            </a:r>
+            <a:r>
+              <a:rPr lang="it-IT" dirty="0" err="1"/>
+              <a:t>this</a:t>
+            </a:r>
+            <a:r>
+              <a:rPr lang="it-IT" dirty="0"/>
+              <a:t> (and </a:t>
+            </a:r>
+            <a:r>
+              <a:rPr lang="it-IT" dirty="0" err="1"/>
+              <a:t>other</a:t>
+            </a:r>
+            <a:r>
+              <a:rPr lang="it-IT" dirty="0"/>
+              <a:t>) </a:t>
+            </a:r>
+            <a:r>
+              <a:rPr lang="it-IT" dirty="0" err="1"/>
+              <a:t>kind</a:t>
+            </a:r>
+            <a:r>
+              <a:rPr lang="it-IT" dirty="0"/>
+              <a:t> of </a:t>
+            </a:r>
+            <a:r>
+              <a:rPr lang="it-IT" dirty="0" err="1"/>
+              <a:t>problem</a:t>
+            </a:r>
+            <a:r>
+              <a:rPr lang="it-IT" dirty="0"/>
+              <a:t>, a </a:t>
+            </a:r>
+            <a:r>
+              <a:rPr lang="it-IT" dirty="0" err="1"/>
+              <a:t>systematic</a:t>
+            </a:r>
+            <a:r>
+              <a:rPr lang="it-IT" dirty="0"/>
+              <a:t> monitoring </a:t>
+            </a:r>
+            <a:r>
+              <a:rPr lang="it-IT" dirty="0" err="1"/>
+              <a:t>infrastructure</a:t>
+            </a:r>
+            <a:r>
+              <a:rPr lang="it-IT" dirty="0"/>
+              <a:t> must be </a:t>
+            </a:r>
+            <a:r>
+              <a:rPr lang="it-IT" dirty="0" err="1"/>
+              <a:t>enabled</a:t>
+            </a:r>
+            <a:r>
+              <a:rPr lang="it-IT" dirty="0"/>
+              <a:t>: tracking user </a:t>
+            </a:r>
+            <a:r>
+              <a:rPr lang="it-IT" dirty="0" err="1"/>
+              <a:t>activities</a:t>
+            </a:r>
+            <a:r>
+              <a:rPr lang="it-IT" dirty="0"/>
+              <a:t> inside the systems </a:t>
+            </a:r>
+            <a:r>
+              <a:rPr lang="it-IT" dirty="0" err="1"/>
+              <a:t>helps</a:t>
+            </a:r>
+            <a:r>
+              <a:rPr lang="it-IT" dirty="0"/>
+              <a:t> the </a:t>
+            </a:r>
+            <a:r>
+              <a:rPr lang="it-IT" dirty="0" err="1"/>
+              <a:t>administrators</a:t>
+            </a:r>
+            <a:r>
+              <a:rPr lang="it-IT" dirty="0"/>
+              <a:t> to </a:t>
+            </a:r>
+            <a:r>
+              <a:rPr lang="it-IT" dirty="0" err="1"/>
+              <a:t>detect</a:t>
+            </a:r>
+            <a:r>
+              <a:rPr lang="it-IT" dirty="0"/>
+              <a:t> </a:t>
+            </a:r>
+            <a:r>
+              <a:rPr lang="it-IT" dirty="0" err="1"/>
+              <a:t>anomalities</a:t>
+            </a:r>
+            <a:r>
+              <a:rPr lang="it-IT" dirty="0"/>
+              <a:t> and </a:t>
+            </a:r>
+            <a:r>
+              <a:rPr lang="it-IT" dirty="0" err="1"/>
+              <a:t>intrusions</a:t>
+            </a:r>
+            <a:r>
+              <a:rPr lang="it-IT" dirty="0"/>
+              <a:t>, </a:t>
+            </a:r>
+            <a:r>
+              <a:rPr lang="it-IT" dirty="0" err="1"/>
+              <a:t>as</a:t>
+            </a:r>
+            <a:r>
+              <a:rPr lang="it-IT" dirty="0"/>
+              <a:t> </a:t>
+            </a:r>
+            <a:r>
+              <a:rPr lang="it-IT" dirty="0" err="1"/>
+              <a:t>well</a:t>
+            </a:r>
+            <a:r>
+              <a:rPr lang="it-IT" dirty="0"/>
+              <a:t> </a:t>
+            </a:r>
+            <a:r>
+              <a:rPr lang="it-IT" dirty="0" err="1"/>
+              <a:t>as</a:t>
+            </a:r>
+            <a:r>
+              <a:rPr lang="it-IT" dirty="0"/>
+              <a:t> </a:t>
+            </a:r>
+            <a:r>
+              <a:rPr lang="it-IT" dirty="0" err="1"/>
+              <a:t>providing</a:t>
+            </a:r>
+            <a:r>
+              <a:rPr lang="it-IT" dirty="0"/>
+              <a:t> a </a:t>
+            </a:r>
+            <a:r>
+              <a:rPr lang="it-IT" dirty="0" err="1"/>
+              <a:t>useful</a:t>
+            </a:r>
+            <a:r>
+              <a:rPr lang="it-IT" dirty="0"/>
+              <a:t> </a:t>
+            </a:r>
+            <a:r>
+              <a:rPr lang="it-IT" dirty="0" err="1"/>
+              <a:t>proof</a:t>
+            </a:r>
+            <a:r>
+              <a:rPr lang="it-IT" dirty="0"/>
+              <a:t> in a </a:t>
+            </a:r>
+            <a:r>
+              <a:rPr lang="it-IT" dirty="0" err="1"/>
+              <a:t>potential</a:t>
+            </a:r>
+            <a:r>
+              <a:rPr lang="it-IT" dirty="0"/>
+              <a:t> </a:t>
+            </a:r>
+            <a:r>
+              <a:rPr lang="it-IT" dirty="0" err="1"/>
+              <a:t>legal</a:t>
+            </a:r>
+            <a:r>
+              <a:rPr lang="it-IT" dirty="0"/>
+              <a:t> dispute.</a:t>
+            </a:r>
+          </a:p>
+          <a:p>
+            <a:r>
+              <a:rPr lang="it-IT" dirty="0"/>
+              <a:t>By </a:t>
+            </a:r>
+            <a:r>
+              <a:rPr lang="it-IT" dirty="0" err="1"/>
+              <a:t>using</a:t>
+            </a:r>
+            <a:r>
+              <a:rPr lang="it-IT" dirty="0"/>
+              <a:t> </a:t>
+            </a:r>
+            <a:r>
+              <a:rPr lang="it-IT" dirty="0" err="1"/>
+              <a:t>logging</a:t>
+            </a:r>
+            <a:r>
+              <a:rPr lang="it-IT" dirty="0"/>
+              <a:t>, </a:t>
+            </a:r>
+            <a:r>
+              <a:rPr lang="it-IT" dirty="0" err="1"/>
+              <a:t>we</a:t>
+            </a:r>
+            <a:r>
+              <a:rPr lang="it-IT" dirty="0"/>
+              <a:t> can </a:t>
+            </a:r>
+            <a:r>
+              <a:rPr lang="it-IT" dirty="0" err="1"/>
+              <a:t>also</a:t>
+            </a:r>
+            <a:r>
+              <a:rPr lang="it-IT" dirty="0"/>
+              <a:t> </a:t>
+            </a:r>
+            <a:r>
+              <a:rPr lang="it-IT" dirty="0" err="1"/>
+              <a:t>overcome</a:t>
+            </a:r>
+            <a:r>
+              <a:rPr lang="it-IT" dirty="0"/>
+              <a:t> access control </a:t>
+            </a:r>
+            <a:r>
+              <a:rPr lang="it-IT" dirty="0" err="1"/>
+              <a:t>related</a:t>
+            </a:r>
+            <a:r>
+              <a:rPr lang="it-IT" dirty="0"/>
+              <a:t> brute force </a:t>
+            </a:r>
+            <a:r>
+              <a:rPr lang="it-IT" dirty="0" err="1"/>
+              <a:t>attacks</a:t>
+            </a:r>
+            <a:r>
+              <a:rPr lang="it-IT" dirty="0"/>
+              <a:t>: </a:t>
+            </a:r>
+            <a:r>
+              <a:rPr lang="it-IT" dirty="0" err="1"/>
+              <a:t>if</a:t>
+            </a:r>
+            <a:r>
+              <a:rPr lang="it-IT" dirty="0"/>
+              <a:t> an </a:t>
+            </a:r>
+            <a:r>
+              <a:rPr lang="it-IT" dirty="0" err="1"/>
+              <a:t>attacker</a:t>
+            </a:r>
+            <a:r>
+              <a:rPr lang="it-IT" dirty="0"/>
+              <a:t> </a:t>
+            </a:r>
+            <a:r>
+              <a:rPr lang="it-IT" dirty="0" err="1"/>
+              <a:t>repeatedly</a:t>
+            </a:r>
+            <a:r>
+              <a:rPr lang="it-IT" dirty="0"/>
+              <a:t> </a:t>
+            </a:r>
+            <a:r>
+              <a:rPr lang="it-IT" dirty="0" err="1"/>
+              <a:t>tries</a:t>
+            </a:r>
+            <a:r>
+              <a:rPr lang="it-IT" dirty="0"/>
+              <a:t> to access a </a:t>
+            </a:r>
+            <a:r>
+              <a:rPr lang="it-IT" dirty="0" err="1"/>
+              <a:t>resource</a:t>
+            </a:r>
+            <a:r>
+              <a:rPr lang="it-IT" dirty="0"/>
+              <a:t> for </a:t>
+            </a:r>
+            <a:r>
+              <a:rPr lang="it-IT" dirty="0" err="1"/>
+              <a:t>which</a:t>
+            </a:r>
+            <a:r>
+              <a:rPr lang="it-IT" dirty="0"/>
+              <a:t> he </a:t>
+            </a:r>
+            <a:r>
+              <a:rPr lang="it-IT" dirty="0" err="1"/>
+              <a:t>doesn’t</a:t>
+            </a:r>
+            <a:r>
+              <a:rPr lang="it-IT" dirty="0"/>
+              <a:t> </a:t>
+            </a:r>
+            <a:r>
+              <a:rPr lang="it-IT" dirty="0" err="1"/>
+              <a:t>have</a:t>
+            </a:r>
+            <a:r>
+              <a:rPr lang="it-IT" dirty="0"/>
+              <a:t> the </a:t>
+            </a:r>
+            <a:r>
+              <a:rPr lang="it-IT" dirty="0" err="1"/>
+              <a:t>proper</a:t>
+            </a:r>
+            <a:r>
+              <a:rPr lang="it-IT" dirty="0"/>
+              <a:t> </a:t>
+            </a:r>
+            <a:r>
+              <a:rPr lang="it-IT" dirty="0" err="1"/>
+              <a:t>rights</a:t>
+            </a:r>
+            <a:r>
+              <a:rPr lang="it-IT" dirty="0"/>
+              <a:t>, </a:t>
+            </a:r>
+            <a:r>
+              <a:rPr lang="it-IT" dirty="0" err="1"/>
+              <a:t>we</a:t>
+            </a:r>
+            <a:r>
+              <a:rPr lang="it-IT" dirty="0"/>
+              <a:t> can </a:t>
+            </a:r>
+            <a:r>
+              <a:rPr lang="it-IT" dirty="0" err="1"/>
+              <a:t>detect</a:t>
+            </a:r>
+            <a:r>
+              <a:rPr lang="it-IT" dirty="0"/>
+              <a:t> </a:t>
+            </a:r>
+            <a:r>
+              <a:rPr lang="it-IT" dirty="0" err="1"/>
+              <a:t>this</a:t>
+            </a:r>
+            <a:r>
+              <a:rPr lang="it-IT" dirty="0"/>
+              <a:t> situation from real-time log </a:t>
+            </a:r>
+            <a:r>
+              <a:rPr lang="it-IT" dirty="0" err="1"/>
+              <a:t>analysis</a:t>
+            </a:r>
+            <a:r>
+              <a:rPr lang="it-IT" dirty="0"/>
+              <a:t> and </a:t>
+            </a:r>
+            <a:r>
+              <a:rPr lang="it-IT" dirty="0" err="1"/>
+              <a:t>activate</a:t>
+            </a:r>
+            <a:r>
+              <a:rPr lang="it-IT" dirty="0"/>
+              <a:t> an </a:t>
+            </a:r>
+            <a:r>
+              <a:rPr lang="it-IT" i="1" dirty="0" err="1"/>
+              <a:t>honey-pot</a:t>
+            </a:r>
+            <a:r>
+              <a:rPr lang="it-IT" dirty="0"/>
+              <a:t> </a:t>
+            </a:r>
+            <a:r>
+              <a:rPr lang="it-IT" dirty="0" err="1"/>
+              <a:t>like</a:t>
+            </a:r>
+            <a:r>
+              <a:rPr lang="it-IT" dirty="0"/>
+              <a:t> </a:t>
+            </a:r>
+            <a:r>
+              <a:rPr lang="it-IT" dirty="0" err="1"/>
+              <a:t>mechanism</a:t>
+            </a:r>
+            <a:r>
+              <a:rPr lang="it-IT" dirty="0"/>
+              <a:t>, by </a:t>
+            </a:r>
+            <a:r>
+              <a:rPr lang="it-IT" dirty="0" err="1"/>
+              <a:t>which</a:t>
+            </a:r>
+            <a:r>
+              <a:rPr lang="it-IT" dirty="0"/>
+              <a:t> the </a:t>
+            </a:r>
+            <a:r>
+              <a:rPr lang="it-IT" dirty="0" err="1"/>
+              <a:t>attacker</a:t>
+            </a:r>
+            <a:r>
+              <a:rPr lang="it-IT" dirty="0"/>
+              <a:t> </a:t>
+            </a:r>
+            <a:r>
+              <a:rPr lang="it-IT" dirty="0" err="1"/>
+              <a:t>is</a:t>
+            </a:r>
+            <a:r>
+              <a:rPr lang="it-IT" dirty="0"/>
+              <a:t> </a:t>
+            </a:r>
+            <a:r>
+              <a:rPr lang="it-IT" dirty="0" err="1"/>
+              <a:t>kept</a:t>
+            </a:r>
+            <a:r>
+              <a:rPr lang="it-IT" dirty="0"/>
+              <a:t> in a </a:t>
+            </a:r>
+            <a:r>
+              <a:rPr lang="it-IT" dirty="0" err="1"/>
+              <a:t>restricted</a:t>
+            </a:r>
+            <a:r>
+              <a:rPr lang="it-IT" dirty="0"/>
+              <a:t>-playground with </a:t>
+            </a:r>
+            <a:r>
+              <a:rPr lang="it-IT" dirty="0" err="1"/>
+              <a:t>fake</a:t>
+            </a:r>
+            <a:r>
+              <a:rPr lang="it-IT" dirty="0"/>
+              <a:t> </a:t>
+            </a:r>
+            <a:r>
+              <a:rPr lang="it-IT" dirty="0" err="1"/>
+              <a:t>resources</a:t>
+            </a:r>
+            <a:r>
+              <a:rPr lang="it-IT" dirty="0"/>
+              <a:t> </a:t>
+            </a:r>
+            <a:r>
+              <a:rPr lang="it-IT" dirty="0" err="1"/>
+              <a:t>enabling</a:t>
+            </a:r>
+            <a:r>
+              <a:rPr lang="it-IT" dirty="0"/>
+              <a:t> the background </a:t>
+            </a:r>
+            <a:r>
+              <a:rPr lang="it-IT" dirty="0" err="1"/>
+              <a:t>collection</a:t>
+            </a:r>
+            <a:r>
+              <a:rPr lang="it-IT" dirty="0"/>
+              <a:t> of </a:t>
+            </a:r>
+            <a:r>
+              <a:rPr lang="it-IT" dirty="0" err="1"/>
+              <a:t>informations</a:t>
+            </a:r>
+            <a:r>
+              <a:rPr lang="it-IT" dirty="0"/>
+              <a:t> </a:t>
+            </a:r>
+            <a:r>
+              <a:rPr lang="it-IT" dirty="0" err="1"/>
+              <a:t>useful</a:t>
+            </a:r>
+            <a:r>
+              <a:rPr lang="it-IT" dirty="0"/>
+              <a:t> for </a:t>
+            </a:r>
+            <a:r>
+              <a:rPr lang="it-IT" dirty="0" err="1"/>
+              <a:t>suing</a:t>
+            </a:r>
+            <a:r>
+              <a:rPr lang="it-IT" dirty="0"/>
+              <a:t> </a:t>
+            </a:r>
+            <a:r>
+              <a:rPr lang="it-IT" dirty="0" err="1"/>
+              <a:t>him</a:t>
+            </a:r>
+            <a:r>
+              <a:rPr lang="it-IT" dirty="0"/>
+              <a:t>.</a:t>
+            </a:r>
+          </a:p>
+          <a:p>
+            <a:endParaRPr lang="it-IT" dirty="0"/>
+          </a:p>
+        </p:txBody>
+      </p:sp>
+    </p:spTree>
+    <p:extLst>
+      <p:ext uri="{BB962C8B-B14F-4D97-AF65-F5344CB8AC3E}">
+        <p14:creationId xmlns:p14="http://schemas.microsoft.com/office/powerpoint/2010/main" val="1722631614"/>
+      </p:ext>
+    </p:extLst>
+  </p:cSld>
+  <p:clrMapOvr>
+    <a:masterClrMapping/>
+  </p:clrMapOvr>
+</p:sld>
+</file>
+
+<file path=ppt/slides/slide16.xml><?xml version="1.0" encoding="utf-8"?>
+<p:sld xmlns:a="http://schemas.openxmlformats.org/drawingml/2006/main" xmlns:r="http://schemas.openxmlformats.org/officeDocument/2006/relationships" xmlns:p="http://schemas.openxmlformats.org/presentationml/2006/main">
+  <p:cSld>
+    <p:spTree>
+      <p:nvGrpSpPr>
+        <p:cNvPr id="1" name=""/>
+        <p:cNvGrpSpPr/>
+        <p:nvPr/>
+      </p:nvGrpSpPr>
+      <p:grpSpPr>
+        <a:xfrm>
+          <a:off x="0" y="0"/>
+          <a:ext cx="0" cy="0"/>
+          <a:chOff x="0" y="0"/>
+          <a:chExt cx="0" cy="0"/>
+        </a:xfrm>
+      </p:grpSpPr>
+      <p:sp>
+        <p:nvSpPr>
+          <p:cNvPr id="2" name="Titolo 1">
+            <a:extLst>
+              <a:ext uri="{FF2B5EF4-FFF2-40B4-BE49-F238E27FC236}">
                 <a16:creationId xmlns:a16="http://schemas.microsoft.com/office/drawing/2014/main" id="{CF59D691-D9C8-4E36-8492-CFBC626B6F17}"/>
               </a:ext>
             </a:extLst>
